--- a/presentation.pptx
+++ b/presentation.pptx
@@ -8,10 +8,13 @@
     <p:sldId id="256" r:id="rId2"/>
     <p:sldId id="257" r:id="rId3"/>
     <p:sldId id="258" r:id="rId4"/>
-    <p:sldId id="262" r:id="rId5"/>
-    <p:sldId id="259" r:id="rId6"/>
-    <p:sldId id="260" r:id="rId7"/>
-    <p:sldId id="261" r:id="rId8"/>
+    <p:sldId id="259" r:id="rId5"/>
+    <p:sldId id="263" r:id="rId6"/>
+    <p:sldId id="262" r:id="rId7"/>
+    <p:sldId id="260" r:id="rId8"/>
+    <p:sldId id="261" r:id="rId9"/>
+    <p:sldId id="264" r:id="rId10"/>
+    <p:sldId id="265" r:id="rId11"/>
   </p:sldIdLst>
   <p:sldSz cx="12192000" cy="6858000"/>
   <p:notesSz cx="6858000" cy="9144000"/>
@@ -110,6 +113,11 @@
       </a:defRPr>
     </a:lvl9pPr>
   </p:defaultTextStyle>
+  <p:extLst>
+    <p:ext uri="{EFAFB233-063F-42B5-8137-9DF3F51BA10A}">
+      <p15:sldGuideLst xmlns:p15="http://schemas.microsoft.com/office/powerpoint/2012/main"/>
+    </p:ext>
+  </p:extLst>
 </p:presentation>
 </file>
 
@@ -262,7 +270,7 @@
           <a:p>
             <a:fld id="{34CA3AE9-EB93-2542-8B91-EE1F7F8DF490}" type="datetimeFigureOut">
               <a:rPr lang="de-DE" smtClean="0"/>
-              <a:t>12.06.18</a:t>
+              <a:t>23.06.18</a:t>
             </a:fld>
             <a:endParaRPr lang="de-DE"/>
           </a:p>
@@ -462,7 +470,7 @@
           <a:p>
             <a:fld id="{34CA3AE9-EB93-2542-8B91-EE1F7F8DF490}" type="datetimeFigureOut">
               <a:rPr lang="de-DE" smtClean="0"/>
-              <a:t>12.06.18</a:t>
+              <a:t>23.06.18</a:t>
             </a:fld>
             <a:endParaRPr lang="de-DE"/>
           </a:p>
@@ -672,7 +680,7 @@
           <a:p>
             <a:fld id="{34CA3AE9-EB93-2542-8B91-EE1F7F8DF490}" type="datetimeFigureOut">
               <a:rPr lang="de-DE" smtClean="0"/>
-              <a:t>12.06.18</a:t>
+              <a:t>23.06.18</a:t>
             </a:fld>
             <a:endParaRPr lang="de-DE"/>
           </a:p>
@@ -872,7 +880,7 @@
           <a:p>
             <a:fld id="{34CA3AE9-EB93-2542-8B91-EE1F7F8DF490}" type="datetimeFigureOut">
               <a:rPr lang="de-DE" smtClean="0"/>
-              <a:t>12.06.18</a:t>
+              <a:t>23.06.18</a:t>
             </a:fld>
             <a:endParaRPr lang="de-DE"/>
           </a:p>
@@ -1148,7 +1156,7 @@
           <a:p>
             <a:fld id="{34CA3AE9-EB93-2542-8B91-EE1F7F8DF490}" type="datetimeFigureOut">
               <a:rPr lang="de-DE" smtClean="0"/>
-              <a:t>12.06.18</a:t>
+              <a:t>23.06.18</a:t>
             </a:fld>
             <a:endParaRPr lang="de-DE"/>
           </a:p>
@@ -1416,7 +1424,7 @@
           <a:p>
             <a:fld id="{34CA3AE9-EB93-2542-8B91-EE1F7F8DF490}" type="datetimeFigureOut">
               <a:rPr lang="de-DE" smtClean="0"/>
-              <a:t>12.06.18</a:t>
+              <a:t>23.06.18</a:t>
             </a:fld>
             <a:endParaRPr lang="de-DE"/>
           </a:p>
@@ -1831,7 +1839,7 @@
           <a:p>
             <a:fld id="{34CA3AE9-EB93-2542-8B91-EE1F7F8DF490}" type="datetimeFigureOut">
               <a:rPr lang="de-DE" smtClean="0"/>
-              <a:t>12.06.18</a:t>
+              <a:t>23.06.18</a:t>
             </a:fld>
             <a:endParaRPr lang="de-DE"/>
           </a:p>
@@ -1973,7 +1981,7 @@
           <a:p>
             <a:fld id="{34CA3AE9-EB93-2542-8B91-EE1F7F8DF490}" type="datetimeFigureOut">
               <a:rPr lang="de-DE" smtClean="0"/>
-              <a:t>12.06.18</a:t>
+              <a:t>23.06.18</a:t>
             </a:fld>
             <a:endParaRPr lang="de-DE"/>
           </a:p>
@@ -2086,7 +2094,7 @@
           <a:p>
             <a:fld id="{34CA3AE9-EB93-2542-8B91-EE1F7F8DF490}" type="datetimeFigureOut">
               <a:rPr lang="de-DE" smtClean="0"/>
-              <a:t>12.06.18</a:t>
+              <a:t>23.06.18</a:t>
             </a:fld>
             <a:endParaRPr lang="de-DE"/>
           </a:p>
@@ -2399,7 +2407,7 @@
           <a:p>
             <a:fld id="{34CA3AE9-EB93-2542-8B91-EE1F7F8DF490}" type="datetimeFigureOut">
               <a:rPr lang="de-DE" smtClean="0"/>
-              <a:t>12.06.18</a:t>
+              <a:t>23.06.18</a:t>
             </a:fld>
             <a:endParaRPr lang="de-DE"/>
           </a:p>
@@ -2688,7 +2696,7 @@
           <a:p>
             <a:fld id="{34CA3AE9-EB93-2542-8B91-EE1F7F8DF490}" type="datetimeFigureOut">
               <a:rPr lang="de-DE" smtClean="0"/>
-              <a:t>12.06.18</a:t>
+              <a:t>23.06.18</a:t>
             </a:fld>
             <a:endParaRPr lang="de-DE"/>
           </a:p>
@@ -2931,7 +2939,7 @@
           <a:p>
             <a:fld id="{34CA3AE9-EB93-2542-8B91-EE1F7F8DF490}" type="datetimeFigureOut">
               <a:rPr lang="de-DE" smtClean="0"/>
-              <a:t>12.06.18</a:t>
+              <a:t>23.06.18</a:t>
             </a:fld>
             <a:endParaRPr lang="de-DE"/>
           </a:p>
@@ -3422,6 +3430,200 @@
 </p:sld>
 </file>
 
+<file path=ppt/slides/slide10.xml><?xml version="1.0" encoding="utf-8"?>
+<p:sld xmlns:a="http://schemas.openxmlformats.org/drawingml/2006/main" xmlns:r="http://schemas.openxmlformats.org/officeDocument/2006/relationships" xmlns:p="http://schemas.openxmlformats.org/presentationml/2006/main">
+  <p:cSld>
+    <p:spTree>
+      <p:nvGrpSpPr>
+        <p:cNvPr id="1" name=""/>
+        <p:cNvGrpSpPr/>
+        <p:nvPr/>
+      </p:nvGrpSpPr>
+      <p:grpSpPr>
+        <a:xfrm>
+          <a:off x="0" y="0"/>
+          <a:ext cx="0" cy="0"/>
+          <a:chOff x="0" y="0"/>
+          <a:chExt cx="0" cy="0"/>
+        </a:xfrm>
+      </p:grpSpPr>
+      <p:sp>
+        <p:nvSpPr>
+          <p:cNvPr id="2" name="Title 1">
+            <a:extLst>
+              <a:ext uri="{FF2B5EF4-FFF2-40B4-BE49-F238E27FC236}">
+                <a16:creationId xmlns:a16="http://schemas.microsoft.com/office/drawing/2014/main" id="{82F5B884-AA97-F04D-BE9C-9CBED8DE8852}"/>
+              </a:ext>
+            </a:extLst>
+          </p:cNvPr>
+          <p:cNvSpPr>
+            <a:spLocks noGrp="1"/>
+          </p:cNvSpPr>
+          <p:nvPr>
+            <p:ph type="title"/>
+          </p:nvPr>
+        </p:nvSpPr>
+        <p:spPr/>
+        <p:txBody>
+          <a:bodyPr/>
+          <a:lstStyle/>
+          <a:p>
+            <a:r>
+              <a:rPr lang="de-DE" dirty="0"/>
+              <a:t>//Formal </a:t>
+            </a:r>
+            <a:r>
+              <a:rPr lang="de-DE" dirty="0" err="1"/>
+              <a:t>Verification</a:t>
+            </a:r>
+            <a:r>
+              <a:rPr lang="de-DE" dirty="0"/>
+              <a:t> – The </a:t>
+            </a:r>
+            <a:r>
+              <a:rPr lang="de-DE" dirty="0" err="1"/>
+              <a:t>solution</a:t>
+            </a:r>
+            <a:r>
+              <a:rPr lang="de-DE" dirty="0"/>
+              <a:t>?</a:t>
+            </a:r>
+          </a:p>
+        </p:txBody>
+      </p:sp>
+      <p:sp>
+        <p:nvSpPr>
+          <p:cNvPr id="3" name="Content Placeholder 2">
+            <a:extLst>
+              <a:ext uri="{FF2B5EF4-FFF2-40B4-BE49-F238E27FC236}">
+                <a16:creationId xmlns:a16="http://schemas.microsoft.com/office/drawing/2014/main" id="{B8F8856C-BDB1-CA4F-AA54-8216803EE6A9}"/>
+              </a:ext>
+            </a:extLst>
+          </p:cNvPr>
+          <p:cNvSpPr>
+            <a:spLocks noGrp="1"/>
+          </p:cNvSpPr>
+          <p:nvPr>
+            <p:ph idx="1"/>
+          </p:nvPr>
+        </p:nvSpPr>
+        <p:spPr/>
+        <p:txBody>
+          <a:bodyPr/>
+          <a:lstStyle/>
+          <a:p>
+            <a:r>
+              <a:rPr lang="de-DE" dirty="0" err="1"/>
+              <a:t>Conclusion</a:t>
+            </a:r>
+            <a:r>
+              <a:rPr lang="de-DE" dirty="0"/>
+              <a:t>, Research </a:t>
+            </a:r>
+            <a:r>
+              <a:rPr lang="de-DE" dirty="0" err="1"/>
+              <a:t>Direction</a:t>
+            </a:r>
+            <a:r>
+              <a:rPr lang="de-DE" dirty="0"/>
+              <a:t>, ...</a:t>
+            </a:r>
+          </a:p>
+          <a:p>
+            <a:r>
+              <a:rPr lang="de-DE" dirty="0"/>
+              <a:t>Short </a:t>
+            </a:r>
+            <a:r>
+              <a:rPr lang="de-DE" dirty="0" err="1"/>
+              <a:t>discussion</a:t>
+            </a:r>
+            <a:r>
+              <a:rPr lang="de-DE" dirty="0"/>
+              <a:t> on </a:t>
+            </a:r>
+            <a:r>
+              <a:rPr lang="de-DE" dirty="0" err="1"/>
+              <a:t>the</a:t>
+            </a:r>
+            <a:r>
+              <a:rPr lang="de-DE" dirty="0"/>
+              <a:t> </a:t>
+            </a:r>
+            <a:r>
+              <a:rPr lang="de-DE" dirty="0" err="1"/>
+              <a:t>research</a:t>
+            </a:r>
+            <a:r>
+              <a:rPr lang="de-DE" dirty="0"/>
+              <a:t> </a:t>
+            </a:r>
+            <a:r>
+              <a:rPr lang="de-DE"/>
+              <a:t>questions</a:t>
+            </a:r>
+            <a:endParaRPr lang="de-DE" dirty="0"/>
+          </a:p>
+          <a:p>
+            <a:r>
+              <a:rPr lang="de-DE" dirty="0" err="1"/>
+              <a:t>Why</a:t>
+            </a:r>
+            <a:r>
+              <a:rPr lang="de-DE" dirty="0"/>
+              <a:t> formal </a:t>
+            </a:r>
+            <a:r>
+              <a:rPr lang="de-DE" dirty="0" err="1"/>
+              <a:t>verification</a:t>
+            </a:r>
+            <a:r>
+              <a:rPr lang="de-DE" dirty="0"/>
+              <a:t> </a:t>
+            </a:r>
+            <a:r>
+              <a:rPr lang="de-DE" dirty="0" err="1"/>
+              <a:t>does</a:t>
+            </a:r>
+            <a:r>
+              <a:rPr lang="de-DE" dirty="0"/>
+              <a:t> not </a:t>
+            </a:r>
+            <a:r>
+              <a:rPr lang="de-DE" dirty="0" err="1"/>
+              <a:t>make</a:t>
+            </a:r>
+            <a:r>
+              <a:rPr lang="de-DE" dirty="0"/>
+              <a:t> </a:t>
+            </a:r>
+            <a:r>
+              <a:rPr lang="de-DE" dirty="0" err="1"/>
+              <a:t>driving</a:t>
+            </a:r>
+            <a:r>
+              <a:rPr lang="de-DE" dirty="0"/>
+              <a:t> 100% save</a:t>
+            </a:r>
+          </a:p>
+          <a:p>
+            <a:endParaRPr lang="de-DE" dirty="0"/>
+          </a:p>
+        </p:txBody>
+      </p:sp>
+    </p:spTree>
+    <p:extLst>
+      <p:ext uri="{BB962C8B-B14F-4D97-AF65-F5344CB8AC3E}">
+        <p14:creationId xmlns:p14="http://schemas.microsoft.com/office/powerpoint/2010/main" val="935848994"/>
+      </p:ext>
+    </p:extLst>
+  </p:cSld>
+  <p:clrMapOvr>
+    <a:masterClrMapping/>
+  </p:clrMapOvr>
+</p:sld>
+</file>
+
 <file path=ppt/slides/slide2.xml><?xml version="1.0" encoding="utf-8"?>
 <p:sld xmlns:a="http://schemas.openxmlformats.org/drawingml/2006/main" xmlns:r="http://schemas.openxmlformats.org/officeDocument/2006/relationships" xmlns:p="http://schemas.openxmlformats.org/presentationml/2006/main">
   <p:cSld>
@@ -3995,102 +4197,33 @@
           <a:lstStyle/>
           <a:p>
             <a:r>
-              <a:rPr lang="de-DE" dirty="0" err="1"/>
-              <a:t>Why</a:t>
-            </a:r>
-            <a:r>
-              <a:rPr lang="de-DE" dirty="0"/>
-              <a:t> </a:t>
-            </a:r>
-            <a:r>
-              <a:rPr lang="de-DE" dirty="0" err="1"/>
-              <a:t>is</a:t>
-            </a:r>
-            <a:r>
-              <a:rPr lang="de-DE" dirty="0"/>
-              <a:t> </a:t>
-            </a:r>
-            <a:r>
-              <a:rPr lang="de-DE" dirty="0" err="1"/>
-              <a:t>this</a:t>
-            </a:r>
-            <a:r>
-              <a:rPr lang="de-DE" dirty="0"/>
-              <a:t> </a:t>
-            </a:r>
-            <a:r>
-              <a:rPr lang="de-DE" dirty="0" err="1"/>
-              <a:t>topic</a:t>
-            </a:r>
-            <a:r>
-              <a:rPr lang="de-DE" dirty="0"/>
-              <a:t> relevant</a:t>
-            </a:r>
-          </a:p>
-          <a:p>
-            <a:r>
-              <a:rPr lang="de-DE" dirty="0" err="1"/>
-              <a:t>What</a:t>
-            </a:r>
-            <a:r>
-              <a:rPr lang="de-DE" dirty="0"/>
-              <a:t> </a:t>
-            </a:r>
-            <a:r>
-              <a:rPr lang="de-DE" dirty="0" err="1"/>
-              <a:t>are</a:t>
-            </a:r>
-            <a:r>
-              <a:rPr lang="de-DE" dirty="0"/>
-              <a:t> </a:t>
-            </a:r>
-            <a:r>
-              <a:rPr lang="de-DE" dirty="0" err="1"/>
-              <a:t>the</a:t>
-            </a:r>
-            <a:r>
-              <a:rPr lang="de-DE" dirty="0"/>
-              <a:t> </a:t>
-            </a:r>
-            <a:r>
-              <a:rPr lang="de-DE" dirty="0" err="1"/>
-              <a:t>challenges</a:t>
-            </a:r>
-            <a:endParaRPr lang="de-DE" dirty="0"/>
-          </a:p>
-          <a:p>
-            <a:r>
-              <a:rPr lang="de-DE" dirty="0" err="1"/>
-              <a:t>Usecases</a:t>
-            </a:r>
-            <a:r>
-              <a:rPr lang="de-DE" dirty="0"/>
-              <a:t>: (Not </a:t>
-            </a:r>
-            <a:r>
-              <a:rPr lang="de-DE" dirty="0" err="1"/>
-              <a:t>only</a:t>
-            </a:r>
-            <a:r>
-              <a:rPr lang="de-DE" dirty="0"/>
-              <a:t>) </a:t>
-            </a:r>
-            <a:r>
-              <a:rPr lang="de-DE" dirty="0" err="1"/>
-              <a:t>Autonomous</a:t>
-            </a:r>
-            <a:r>
-              <a:rPr lang="de-DE" dirty="0"/>
-              <a:t> </a:t>
-            </a:r>
-            <a:r>
-              <a:rPr lang="de-DE" dirty="0" err="1"/>
-              <a:t>Driving</a:t>
-            </a:r>
-            <a:endParaRPr lang="de-DE" dirty="0"/>
-          </a:p>
-          <a:p>
-            <a:endParaRPr lang="de-DE" dirty="0"/>
+              <a:rPr lang="en-US" dirty="0"/>
+              <a:t>Why is this topic relevant</a:t>
+            </a:r>
+          </a:p>
+          <a:p>
+            <a:r>
+              <a:rPr lang="en-US" dirty="0"/>
+              <a:t>What are the challenges</a:t>
+            </a:r>
+          </a:p>
+          <a:p>
+            <a:r>
+              <a:rPr lang="en-US" dirty="0"/>
+              <a:t>Motivation from other fields where formal verification succeeded</a:t>
+            </a:r>
+          </a:p>
+          <a:p>
+            <a:r>
+              <a:rPr lang="en-US" dirty="0"/>
+              <a:t>Use cases: (Not only) Autonomous Driving</a:t>
+            </a:r>
+          </a:p>
+          <a:p>
+            <a:endParaRPr lang="en-US" dirty="0"/>
+          </a:p>
+          <a:p>
+            <a:endParaRPr lang="en-US" dirty="0"/>
           </a:p>
         </p:txBody>
       </p:sp>
@@ -4129,7 +4262,7 @@
           <p:cNvPr id="2" name="Title 1">
             <a:extLst>
               <a:ext uri="{FF2B5EF4-FFF2-40B4-BE49-F238E27FC236}">
-                <a16:creationId xmlns:a16="http://schemas.microsoft.com/office/drawing/2014/main" id="{A1D0B9F5-F15E-4C40-9AEF-3913D300FF4E}"/>
+                <a16:creationId xmlns:a16="http://schemas.microsoft.com/office/drawing/2014/main" id="{EB0DCD7D-50EC-F043-86E9-02E62698679D}"/>
               </a:ext>
             </a:extLst>
           </p:cNvPr>
@@ -4147,11 +4280,11 @@
           <a:p>
             <a:r>
               <a:rPr lang="de-DE" dirty="0"/>
-              <a:t>//</a:t>
-            </a:r>
-            <a:r>
-              <a:rPr lang="de-DE" dirty="0" err="1"/>
-              <a:t>Overview</a:t>
+              <a:t>//Research </a:t>
+            </a:r>
+            <a:r>
+              <a:rPr lang="de-DE" dirty="0" err="1"/>
+              <a:t>Question</a:t>
             </a:r>
             <a:endParaRPr lang="de-DE" dirty="0"/>
           </a:p>
@@ -4162,7 +4295,7 @@
           <p:cNvPr id="3" name="Content Placeholder 2">
             <a:extLst>
               <a:ext uri="{FF2B5EF4-FFF2-40B4-BE49-F238E27FC236}">
-                <a16:creationId xmlns:a16="http://schemas.microsoft.com/office/drawing/2014/main" id="{693B8955-FB16-DD43-8199-0AC53FFCD99F}"/>
+                <a16:creationId xmlns:a16="http://schemas.microsoft.com/office/drawing/2014/main" id="{413DA6D0-4B3A-1441-8EFB-2E0E8DB7F485}"/>
               </a:ext>
             </a:extLst>
           </p:cNvPr>
@@ -4180,23 +4313,163 @@
           <a:p>
             <a:r>
               <a:rPr lang="de-DE" dirty="0" err="1"/>
-              <a:t>Difference</a:t>
-            </a:r>
-            <a:r>
-              <a:rPr lang="de-DE" dirty="0"/>
-              <a:t> </a:t>
-            </a:r>
-            <a:r>
-              <a:rPr lang="de-DE" dirty="0" err="1"/>
-              <a:t>between</a:t>
-            </a:r>
-            <a:r>
-              <a:rPr lang="de-DE" dirty="0"/>
-              <a:t> Safe Reinforcement Learning </a:t>
-            </a:r>
-            <a:r>
-              <a:rPr lang="de-DE" dirty="0" err="1"/>
-              <a:t>and</a:t>
+              <a:t>How</a:t>
+            </a:r>
+            <a:r>
+              <a:rPr lang="de-DE" dirty="0"/>
+              <a:t> </a:t>
+            </a:r>
+            <a:r>
+              <a:rPr lang="de-DE" dirty="0" err="1"/>
+              <a:t>can</a:t>
+            </a:r>
+            <a:r>
+              <a:rPr lang="de-DE" dirty="0"/>
+              <a:t> </a:t>
+            </a:r>
+            <a:r>
+              <a:rPr lang="de-DE" dirty="0" err="1"/>
+              <a:t>we</a:t>
+            </a:r>
+            <a:r>
+              <a:rPr lang="de-DE" dirty="0"/>
+              <a:t> </a:t>
+            </a:r>
+            <a:r>
+              <a:rPr lang="de-DE" dirty="0" err="1"/>
+              <a:t>ensure</a:t>
+            </a:r>
+            <a:r>
+              <a:rPr lang="de-DE" dirty="0"/>
+              <a:t> </a:t>
+            </a:r>
+            <a:r>
+              <a:rPr lang="de-DE" dirty="0" err="1"/>
+              <a:t>that</a:t>
+            </a:r>
+            <a:r>
+              <a:rPr lang="de-DE" dirty="0"/>
+              <a:t> </a:t>
+            </a:r>
+            <a:r>
+              <a:rPr lang="de-DE" dirty="0" err="1"/>
+              <a:t>the</a:t>
+            </a:r>
+            <a:r>
+              <a:rPr lang="de-DE" dirty="0"/>
+              <a:t> </a:t>
+            </a:r>
+            <a:r>
+              <a:rPr lang="de-DE" dirty="0" err="1"/>
+              <a:t>model</a:t>
+            </a:r>
+            <a:r>
+              <a:rPr lang="de-DE" dirty="0"/>
+              <a:t> will </a:t>
+            </a:r>
+            <a:r>
+              <a:rPr lang="de-DE" dirty="0" err="1"/>
+              <a:t>always</a:t>
+            </a:r>
+            <a:r>
+              <a:rPr lang="de-DE" dirty="0"/>
+              <a:t> </a:t>
+            </a:r>
+            <a:r>
+              <a:rPr lang="de-DE" dirty="0" err="1"/>
+              <a:t>act</a:t>
+            </a:r>
+            <a:r>
+              <a:rPr lang="de-DE" dirty="0"/>
+              <a:t> in a </a:t>
+            </a:r>
+            <a:r>
+              <a:rPr lang="de-DE" dirty="0" err="1"/>
+              <a:t>safe</a:t>
+            </a:r>
+            <a:r>
+              <a:rPr lang="de-DE" dirty="0"/>
+              <a:t> </a:t>
+            </a:r>
+            <a:r>
+              <a:rPr lang="de-DE" dirty="0" err="1"/>
+              <a:t>way</a:t>
+            </a:r>
+            <a:r>
+              <a:rPr lang="de-DE" dirty="0"/>
+              <a:t>? (not </a:t>
+            </a:r>
+            <a:r>
+              <a:rPr lang="de-DE" dirty="0" err="1"/>
+              <a:t>damaging</a:t>
+            </a:r>
+            <a:r>
+              <a:rPr lang="de-DE" dirty="0"/>
+              <a:t> </a:t>
+            </a:r>
+            <a:r>
+              <a:rPr lang="de-DE" dirty="0" err="1"/>
+              <a:t>something</a:t>
+            </a:r>
+            <a:r>
+              <a:rPr lang="de-DE" dirty="0"/>
+              <a:t>)</a:t>
+            </a:r>
+          </a:p>
+          <a:p>
+            <a:r>
+              <a:rPr lang="de-DE" dirty="0" err="1"/>
+              <a:t>How</a:t>
+            </a:r>
+            <a:r>
+              <a:rPr lang="de-DE" dirty="0"/>
+              <a:t> </a:t>
+            </a:r>
+            <a:r>
+              <a:rPr lang="de-DE" dirty="0" err="1"/>
+              <a:t>can</a:t>
+            </a:r>
+            <a:r>
+              <a:rPr lang="de-DE" dirty="0"/>
+              <a:t> </a:t>
+            </a:r>
+            <a:r>
+              <a:rPr lang="de-DE" dirty="0" err="1"/>
+              <a:t>we</a:t>
+            </a:r>
+            <a:r>
+              <a:rPr lang="de-DE" dirty="0"/>
+              <a:t> deal </a:t>
+            </a:r>
+            <a:r>
+              <a:rPr lang="de-DE" dirty="0" err="1"/>
+              <a:t>with</a:t>
+            </a:r>
+            <a:r>
+              <a:rPr lang="de-DE" dirty="0"/>
+              <a:t> </a:t>
+            </a:r>
+            <a:r>
+              <a:rPr lang="de-DE" dirty="0" err="1"/>
+              <a:t>uncertain</a:t>
+            </a:r>
+            <a:r>
+              <a:rPr lang="de-DE" dirty="0"/>
+              <a:t> </a:t>
+            </a:r>
+            <a:r>
+              <a:rPr lang="de-DE" dirty="0" err="1"/>
+              <a:t>situations</a:t>
+            </a:r>
+            <a:r>
+              <a:rPr lang="de-DE" dirty="0"/>
+              <a:t>?</a:t>
+            </a:r>
+          </a:p>
+          <a:p>
+            <a:r>
+              <a:rPr lang="de-DE" dirty="0" err="1"/>
+              <a:t>Does</a:t>
             </a:r>
             <a:r>
               <a:rPr lang="de-DE" dirty="0"/>
@@ -4208,10 +4481,99 @@
             </a:r>
             <a:r>
               <a:rPr lang="de-DE" dirty="0"/>
+              <a:t> </a:t>
+            </a:r>
+            <a:r>
+              <a:rPr lang="de-DE" dirty="0" err="1"/>
+              <a:t>make</a:t>
+            </a:r>
+            <a:r>
+              <a:rPr lang="de-DE" dirty="0"/>
+              <a:t> </a:t>
+            </a:r>
+            <a:r>
+              <a:rPr lang="de-DE" dirty="0" err="1"/>
+              <a:t>autonomous</a:t>
+            </a:r>
+            <a:r>
+              <a:rPr lang="de-DE" dirty="0"/>
+              <a:t> </a:t>
+            </a:r>
+            <a:r>
+              <a:rPr lang="de-DE" dirty="0" err="1"/>
+              <a:t>driving</a:t>
+            </a:r>
+            <a:r>
+              <a:rPr lang="de-DE" dirty="0"/>
+              <a:t> 100% </a:t>
+            </a:r>
+            <a:r>
+              <a:rPr lang="de-DE" dirty="0" err="1"/>
+              <a:t>safe</a:t>
+            </a:r>
+            <a:r>
+              <a:rPr lang="de-DE" dirty="0"/>
               <a:t>?</a:t>
             </a:r>
           </a:p>
           <a:p>
+            <a:endParaRPr lang="de-DE" dirty="0"/>
+          </a:p>
+          <a:p>
+            <a:r>
+              <a:rPr lang="de-DE" dirty="0"/>
+              <a:t>Other </a:t>
+            </a:r>
+            <a:r>
+              <a:rPr lang="de-DE" dirty="0" err="1"/>
+              <a:t>Questions</a:t>
+            </a:r>
+            <a:r>
+              <a:rPr lang="de-DE" dirty="0"/>
+              <a:t> </a:t>
+            </a:r>
+            <a:r>
+              <a:rPr lang="de-DE" dirty="0" err="1"/>
+              <a:t>we</a:t>
+            </a:r>
+            <a:r>
+              <a:rPr lang="de-DE" dirty="0"/>
+              <a:t> </a:t>
+            </a:r>
+            <a:r>
+              <a:rPr lang="de-DE" dirty="0" err="1"/>
+              <a:t>could</a:t>
+            </a:r>
+            <a:r>
+              <a:rPr lang="de-DE" dirty="0"/>
+              <a:t> </a:t>
+            </a:r>
+            <a:r>
+              <a:rPr lang="de-DE" dirty="0" err="1"/>
+              <a:t>name</a:t>
+            </a:r>
+            <a:r>
+              <a:rPr lang="de-DE" dirty="0"/>
+              <a:t> (but not </a:t>
+            </a:r>
+            <a:r>
+              <a:rPr lang="de-DE" dirty="0" err="1"/>
+              <a:t>address</a:t>
+            </a:r>
+            <a:r>
+              <a:rPr lang="de-DE" dirty="0"/>
+              <a:t>)</a:t>
+            </a:r>
+          </a:p>
+          <a:p>
+            <a:pPr lvl="1"/>
+            <a:r>
+              <a:rPr lang="en-US" dirty="0"/>
+              <a:t>“Small perturbation of input will not affect the learning“</a:t>
+            </a:r>
+          </a:p>
+          <a:p>
+            <a:pPr lvl="1"/>
             <a:endParaRPr lang="de-DE" dirty="0"/>
           </a:p>
         </p:txBody>
@@ -4219,7 +4581,7 @@
     </p:spTree>
     <p:extLst>
       <p:ext uri="{BB962C8B-B14F-4D97-AF65-F5344CB8AC3E}">
-        <p14:creationId xmlns:p14="http://schemas.microsoft.com/office/powerpoint/2010/main" val="2862653445"/>
+        <p14:creationId xmlns:p14="http://schemas.microsoft.com/office/powerpoint/2010/main" val="3154811387"/>
       </p:ext>
     </p:extLst>
   </p:cSld>
@@ -4251,7 +4613,7 @@
           <p:cNvPr id="2" name="Title 1">
             <a:extLst>
               <a:ext uri="{FF2B5EF4-FFF2-40B4-BE49-F238E27FC236}">
-                <a16:creationId xmlns:a16="http://schemas.microsoft.com/office/drawing/2014/main" id="{EB0DCD7D-50EC-F043-86E9-02E62698679D}"/>
+                <a16:creationId xmlns:a16="http://schemas.microsoft.com/office/drawing/2014/main" id="{92AE8D75-90C3-4040-B7A9-F30849011D42}"/>
               </a:ext>
             </a:extLst>
           </p:cNvPr>
@@ -4269,11 +4631,27 @@
           <a:p>
             <a:r>
               <a:rPr lang="de-DE" dirty="0"/>
-              <a:t>//Research </a:t>
-            </a:r>
-            <a:r>
-              <a:rPr lang="de-DE" dirty="0" err="1"/>
-              <a:t>Question</a:t>
+              <a:t>//</a:t>
+            </a:r>
+            <a:r>
+              <a:rPr lang="de-DE" dirty="0" err="1"/>
+              <a:t>Introduction</a:t>
+            </a:r>
+            <a:r>
+              <a:rPr lang="de-DE" dirty="0"/>
+              <a:t> </a:t>
+            </a:r>
+            <a:r>
+              <a:rPr lang="de-DE" dirty="0" err="1"/>
+              <a:t>to</a:t>
+            </a:r>
+            <a:r>
+              <a:rPr lang="de-DE" dirty="0"/>
+              <a:t> Formal </a:t>
+            </a:r>
+            <a:r>
+              <a:rPr lang="de-DE" dirty="0" err="1"/>
+              <a:t>Verification</a:t>
             </a:r>
             <a:endParaRPr lang="de-DE" dirty="0"/>
           </a:p>
@@ -4284,7 +4662,7 @@
           <p:cNvPr id="3" name="Content Placeholder 2">
             <a:extLst>
               <a:ext uri="{FF2B5EF4-FFF2-40B4-BE49-F238E27FC236}">
-                <a16:creationId xmlns:a16="http://schemas.microsoft.com/office/drawing/2014/main" id="{413DA6D0-4B3A-1441-8EFB-2E0E8DB7F485}"/>
+                <a16:creationId xmlns:a16="http://schemas.microsoft.com/office/drawing/2014/main" id="{DCF49B9E-3509-744B-BCB9-A8993E1E5F61}"/>
               </a:ext>
             </a:extLst>
           </p:cNvPr>
@@ -4300,14 +4678,174 @@
           <a:bodyPr/>
           <a:lstStyle/>
           <a:p>
-            <a:endParaRPr lang="de-DE"/>
+            <a:r>
+              <a:rPr lang="de-DE" dirty="0" err="1"/>
+              <a:t>Rough</a:t>
+            </a:r>
+            <a:r>
+              <a:rPr lang="de-DE" dirty="0"/>
+              <a:t> </a:t>
+            </a:r>
+            <a:r>
+              <a:rPr lang="de-DE" dirty="0" err="1"/>
+              <a:t>overview</a:t>
+            </a:r>
+            <a:r>
+              <a:rPr lang="de-DE" dirty="0"/>
+              <a:t> </a:t>
+            </a:r>
+            <a:r>
+              <a:rPr lang="de-DE" dirty="0" err="1"/>
+              <a:t>over</a:t>
+            </a:r>
+            <a:r>
+              <a:rPr lang="de-DE" dirty="0"/>
+              <a:t> </a:t>
+            </a:r>
+            <a:r>
+              <a:rPr lang="de-DE" dirty="0" err="1"/>
+              <a:t>methods</a:t>
+            </a:r>
+            <a:endParaRPr lang="de-DE" dirty="0"/>
+          </a:p>
+          <a:p>
+            <a:pPr lvl="1"/>
+            <a:r>
+              <a:rPr lang="de-DE" dirty="0"/>
+              <a:t>PRISM, System </a:t>
+            </a:r>
+            <a:r>
+              <a:rPr lang="de-DE" dirty="0" err="1"/>
+              <a:t>monitors</a:t>
+            </a:r>
+            <a:r>
+              <a:rPr lang="de-DE" dirty="0"/>
+              <a:t>, ...</a:t>
+            </a:r>
+          </a:p>
+          <a:p>
+            <a:r>
+              <a:rPr lang="de-DE" dirty="0" err="1"/>
+              <a:t>Maybe</a:t>
+            </a:r>
+            <a:r>
+              <a:rPr lang="de-DE" dirty="0"/>
+              <a:t> </a:t>
+            </a:r>
+            <a:r>
+              <a:rPr lang="de-DE" dirty="0" err="1"/>
+              <a:t>name</a:t>
+            </a:r>
+            <a:r>
+              <a:rPr lang="de-DE" dirty="0"/>
+              <a:t> </a:t>
+            </a:r>
+            <a:r>
+              <a:rPr lang="de-DE" dirty="0" err="1"/>
+              <a:t>some</a:t>
+            </a:r>
+            <a:r>
+              <a:rPr lang="de-DE" dirty="0"/>
+              <a:t> </a:t>
+            </a:r>
+            <a:r>
+              <a:rPr lang="de-DE" dirty="0" err="1"/>
+              <a:t>approaches</a:t>
+            </a:r>
+            <a:r>
+              <a:rPr lang="de-DE" dirty="0"/>
+              <a:t> </a:t>
+            </a:r>
+            <a:r>
+              <a:rPr lang="de-DE" dirty="0" err="1"/>
+              <a:t>for</a:t>
+            </a:r>
+            <a:r>
+              <a:rPr lang="de-DE" dirty="0"/>
+              <a:t> </a:t>
+            </a:r>
+            <a:r>
+              <a:rPr lang="de-DE" dirty="0" err="1"/>
+              <a:t>autonomous</a:t>
+            </a:r>
+            <a:r>
+              <a:rPr lang="de-DE" dirty="0"/>
+              <a:t> </a:t>
+            </a:r>
+            <a:r>
+              <a:rPr lang="de-DE" dirty="0" err="1"/>
+              <a:t>driving</a:t>
+            </a:r>
+            <a:endParaRPr lang="de-DE" dirty="0"/>
+          </a:p>
+          <a:p>
+            <a:r>
+              <a:rPr lang="de-DE" dirty="0"/>
+              <a:t>I </a:t>
+            </a:r>
+            <a:r>
+              <a:rPr lang="de-DE" dirty="0" err="1"/>
+              <a:t>would</a:t>
+            </a:r>
+            <a:r>
+              <a:rPr lang="de-DE" dirty="0"/>
+              <a:t> </a:t>
+            </a:r>
+            <a:r>
+              <a:rPr lang="de-DE" dirty="0" err="1"/>
+              <a:t>treat</a:t>
+            </a:r>
+            <a:r>
+              <a:rPr lang="de-DE" dirty="0"/>
+              <a:t> formal </a:t>
+            </a:r>
+            <a:r>
+              <a:rPr lang="de-DE" dirty="0" err="1"/>
+              <a:t>verification</a:t>
+            </a:r>
+            <a:r>
+              <a:rPr lang="de-DE" dirty="0"/>
+              <a:t> </a:t>
+            </a:r>
+            <a:r>
+              <a:rPr lang="de-DE" dirty="0" err="1"/>
+              <a:t>as</a:t>
+            </a:r>
+            <a:r>
+              <a:rPr lang="de-DE" dirty="0"/>
+              <a:t> a “</a:t>
+            </a:r>
+            <a:r>
+              <a:rPr lang="de-DE" dirty="0" err="1"/>
+              <a:t>black</a:t>
+            </a:r>
+            <a:r>
+              <a:rPr lang="de-DE" dirty="0"/>
+              <a:t> box“ in </a:t>
+            </a:r>
+            <a:r>
+              <a:rPr lang="de-DE" dirty="0" err="1"/>
+              <a:t>our</a:t>
+            </a:r>
+            <a:r>
+              <a:rPr lang="de-DE" dirty="0"/>
+              <a:t> </a:t>
+            </a:r>
+            <a:r>
+              <a:rPr lang="de-DE" dirty="0" err="1"/>
+              <a:t>setting</a:t>
+            </a:r>
+            <a:r>
+              <a:rPr lang="de-DE" dirty="0"/>
+              <a:t>. </a:t>
+            </a:r>
           </a:p>
         </p:txBody>
       </p:sp>
     </p:spTree>
     <p:extLst>
       <p:ext uri="{BB962C8B-B14F-4D97-AF65-F5344CB8AC3E}">
-        <p14:creationId xmlns:p14="http://schemas.microsoft.com/office/powerpoint/2010/main" val="3154811387"/>
+        <p14:creationId xmlns:p14="http://schemas.microsoft.com/office/powerpoint/2010/main" val="4125426013"/>
       </p:ext>
     </p:extLst>
   </p:cSld>
@@ -4339,7 +4877,7 @@
           <p:cNvPr id="2" name="Title 1">
             <a:extLst>
               <a:ext uri="{FF2B5EF4-FFF2-40B4-BE49-F238E27FC236}">
-                <a16:creationId xmlns:a16="http://schemas.microsoft.com/office/drawing/2014/main" id="{02770AD3-BB62-C044-A388-BDF9BE53CE10}"/>
+                <a16:creationId xmlns:a16="http://schemas.microsoft.com/office/drawing/2014/main" id="{A1D0B9F5-F15E-4C40-9AEF-3913D300FF4E}"/>
               </a:ext>
             </a:extLst>
           </p:cNvPr>
@@ -4357,23 +4895,23 @@
           <a:p>
             <a:r>
               <a:rPr lang="de-DE" dirty="0"/>
-              <a:t>//State </a:t>
-            </a:r>
-            <a:r>
-              <a:rPr lang="de-DE" dirty="0" err="1"/>
-              <a:t>of</a:t>
-            </a:r>
-            <a:r>
-              <a:rPr lang="de-DE" dirty="0"/>
-              <a:t> </a:t>
-            </a:r>
-            <a:r>
-              <a:rPr lang="de-DE" dirty="0" err="1"/>
-              <a:t>the</a:t>
-            </a:r>
-            <a:r>
-              <a:rPr lang="de-DE" dirty="0"/>
-              <a:t> Art</a:t>
+              <a:t>//Formal </a:t>
+            </a:r>
+            <a:r>
+              <a:rPr lang="de-DE" dirty="0" err="1"/>
+              <a:t>Verification</a:t>
+            </a:r>
+            <a:r>
+              <a:rPr lang="de-DE" dirty="0"/>
+              <a:t> </a:t>
+            </a:r>
+            <a:r>
+              <a:rPr lang="de-DE" dirty="0" err="1"/>
+              <a:t>and</a:t>
+            </a:r>
+            <a:r>
+              <a:rPr lang="de-DE" dirty="0"/>
+              <a:t> RL</a:t>
             </a:r>
           </a:p>
         </p:txBody>
@@ -4383,7 +4921,7 @@
           <p:cNvPr id="3" name="Content Placeholder 2">
             <a:extLst>
               <a:ext uri="{FF2B5EF4-FFF2-40B4-BE49-F238E27FC236}">
-                <a16:creationId xmlns:a16="http://schemas.microsoft.com/office/drawing/2014/main" id="{DEAE9AFB-0673-1B49-B9D5-F95C834FBAE8}"/>
+                <a16:creationId xmlns:a16="http://schemas.microsoft.com/office/drawing/2014/main" id="{693B8955-FB16-DD43-8199-0AC53FFCD99F}"/>
               </a:ext>
             </a:extLst>
           </p:cNvPr>
@@ -4399,14 +4937,53 @@
           <a:bodyPr/>
           <a:lstStyle/>
           <a:p>
-            <a:endParaRPr lang="de-DE"/>
+            <a:r>
+              <a:rPr lang="en-US" dirty="0"/>
+              <a:t>Nasa paper</a:t>
+            </a:r>
+          </a:p>
+          <a:p>
+            <a:r>
+              <a:rPr lang="en-US" dirty="0"/>
+              <a:t>What can be verified? What different kind of learning (offline, online) and verification methods are there?</a:t>
+            </a:r>
+          </a:p>
+          <a:p>
+            <a:r>
+              <a:rPr lang="en-US" dirty="0"/>
+              <a:t>Specify what we want to </a:t>
+            </a:r>
+            <a:r>
+              <a:rPr lang="en-US" dirty="0" err="1"/>
+              <a:t>verifiy</a:t>
+            </a:r>
+            <a:r>
+              <a:rPr lang="en-US" dirty="0"/>
+              <a:t> / do?</a:t>
+            </a:r>
+          </a:p>
+          <a:p>
+            <a:pPr lvl="1"/>
+            <a:r>
+              <a:rPr lang="en-US" b="1" dirty="0"/>
+              <a:t>“Model will always be in a non-dangerous state according to “</a:t>
+            </a:r>
+          </a:p>
+          <a:p>
+            <a:endParaRPr lang="en-US" dirty="0"/>
+          </a:p>
+          <a:p>
+            <a:endParaRPr lang="en-US" dirty="0"/>
+          </a:p>
+          <a:p>
+            <a:endParaRPr lang="en-US" dirty="0"/>
           </a:p>
         </p:txBody>
       </p:sp>
     </p:spTree>
     <p:extLst>
       <p:ext uri="{BB962C8B-B14F-4D97-AF65-F5344CB8AC3E}">
-        <p14:creationId xmlns:p14="http://schemas.microsoft.com/office/powerpoint/2010/main" val="955087580"/>
+        <p14:creationId xmlns:p14="http://schemas.microsoft.com/office/powerpoint/2010/main" val="2862653445"/>
       </p:ext>
     </p:extLst>
   </p:cSld>
@@ -4438,6 +5015,146 @@
           <p:cNvPr id="2" name="Title 1">
             <a:extLst>
               <a:ext uri="{FF2B5EF4-FFF2-40B4-BE49-F238E27FC236}">
+                <a16:creationId xmlns:a16="http://schemas.microsoft.com/office/drawing/2014/main" id="{02770AD3-BB62-C044-A388-BDF9BE53CE10}"/>
+              </a:ext>
+            </a:extLst>
+          </p:cNvPr>
+          <p:cNvSpPr>
+            <a:spLocks noGrp="1"/>
+          </p:cNvSpPr>
+          <p:nvPr>
+            <p:ph type="title"/>
+          </p:nvPr>
+        </p:nvSpPr>
+        <p:spPr/>
+        <p:txBody>
+          <a:bodyPr/>
+          <a:lstStyle/>
+          <a:p>
+            <a:r>
+              <a:rPr lang="de-DE" dirty="0"/>
+              <a:t>//State </a:t>
+            </a:r>
+            <a:r>
+              <a:rPr lang="de-DE" dirty="0" err="1"/>
+              <a:t>of</a:t>
+            </a:r>
+            <a:r>
+              <a:rPr lang="de-DE" dirty="0"/>
+              <a:t> </a:t>
+            </a:r>
+            <a:r>
+              <a:rPr lang="de-DE" dirty="0" err="1"/>
+              <a:t>the</a:t>
+            </a:r>
+            <a:r>
+              <a:rPr lang="de-DE" dirty="0"/>
+              <a:t> Art</a:t>
+            </a:r>
+          </a:p>
+        </p:txBody>
+      </p:sp>
+      <p:sp>
+        <p:nvSpPr>
+          <p:cNvPr id="3" name="Content Placeholder 2">
+            <a:extLst>
+              <a:ext uri="{FF2B5EF4-FFF2-40B4-BE49-F238E27FC236}">
+                <a16:creationId xmlns:a16="http://schemas.microsoft.com/office/drawing/2014/main" id="{DEAE9AFB-0673-1B49-B9D5-F95C834FBAE8}"/>
+              </a:ext>
+            </a:extLst>
+          </p:cNvPr>
+          <p:cNvSpPr>
+            <a:spLocks noGrp="1"/>
+          </p:cNvSpPr>
+          <p:nvPr>
+            <p:ph idx="1"/>
+          </p:nvPr>
+        </p:nvSpPr>
+        <p:spPr/>
+        <p:txBody>
+          <a:bodyPr/>
+          <a:lstStyle/>
+          <a:p>
+            <a:r>
+              <a:rPr lang="de-DE" dirty="0"/>
+              <a:t>Survey (</a:t>
+            </a:r>
+            <a:r>
+              <a:rPr lang="de-DE" dirty="0" err="1"/>
+              <a:t>everything</a:t>
+            </a:r>
+            <a:r>
+              <a:rPr lang="de-DE" dirty="0"/>
+              <a:t> </a:t>
+            </a:r>
+            <a:r>
+              <a:rPr lang="de-DE" dirty="0" err="1"/>
+              <a:t>pre</a:t>
+            </a:r>
+            <a:r>
+              <a:rPr lang="de-DE" dirty="0"/>
+              <a:t> 2013)</a:t>
+            </a:r>
+          </a:p>
+          <a:p>
+            <a:r>
+              <a:rPr lang="de-DE" dirty="0"/>
+              <a:t>Paper </a:t>
+            </a:r>
+            <a:r>
+              <a:rPr lang="de-DE" dirty="0" err="1"/>
+              <a:t>we</a:t>
+            </a:r>
+            <a:r>
+              <a:rPr lang="de-DE" dirty="0"/>
+              <a:t> </a:t>
+            </a:r>
+            <a:r>
+              <a:rPr lang="de-DE" dirty="0" err="1"/>
+              <a:t>collected</a:t>
+            </a:r>
+            <a:r>
+              <a:rPr lang="de-DE" dirty="0"/>
+              <a:t>...</a:t>
+            </a:r>
+          </a:p>
+        </p:txBody>
+      </p:sp>
+    </p:spTree>
+    <p:extLst>
+      <p:ext uri="{BB962C8B-B14F-4D97-AF65-F5344CB8AC3E}">
+        <p14:creationId xmlns:p14="http://schemas.microsoft.com/office/powerpoint/2010/main" val="955087580"/>
+      </p:ext>
+    </p:extLst>
+  </p:cSld>
+  <p:clrMapOvr>
+    <a:masterClrMapping/>
+  </p:clrMapOvr>
+</p:sld>
+</file>
+
+<file path=ppt/slides/slide8.xml><?xml version="1.0" encoding="utf-8"?>
+<p:sld xmlns:a="http://schemas.openxmlformats.org/drawingml/2006/main" xmlns:r="http://schemas.openxmlformats.org/officeDocument/2006/relationships" xmlns:p="http://schemas.openxmlformats.org/presentationml/2006/main">
+  <p:cSld>
+    <p:spTree>
+      <p:nvGrpSpPr>
+        <p:cNvPr id="1" name=""/>
+        <p:cNvGrpSpPr/>
+        <p:nvPr/>
+      </p:nvGrpSpPr>
+      <p:grpSpPr>
+        <a:xfrm>
+          <a:off x="0" y="0"/>
+          <a:ext cx="0" cy="0"/>
+          <a:chOff x="0" y="0"/>
+          <a:chExt cx="0" cy="0"/>
+        </a:xfrm>
+      </p:grpSpPr>
+      <p:sp>
+        <p:nvSpPr>
+          <p:cNvPr id="2" name="Title 1">
+            <a:extLst>
+              <a:ext uri="{FF2B5EF4-FFF2-40B4-BE49-F238E27FC236}">
                 <a16:creationId xmlns:a16="http://schemas.microsoft.com/office/drawing/2014/main" id="{9BDD9FA6-BB22-F24E-907E-2F9430A2EA2A}"/>
               </a:ext>
             </a:extLst>
@@ -4456,8 +5173,21 @@
           <a:p>
             <a:r>
               <a:rPr lang="de-DE" dirty="0"/>
-              <a:t>//Approach</a:t>
-            </a:r>
+              <a:t>//</a:t>
+            </a:r>
+            <a:r>
+              <a:rPr lang="de-DE" dirty="0" err="1"/>
+              <a:t>Proposed</a:t>
+            </a:r>
+            <a:r>
+              <a:rPr lang="de-DE" dirty="0"/>
+              <a:t> </a:t>
+            </a:r>
+            <a:r>
+              <a:rPr lang="de-DE" dirty="0" err="1"/>
+              <a:t>Method</a:t>
+            </a:r>
+            <a:endParaRPr lang="de-DE" dirty="0"/>
           </a:p>
         </p:txBody>
       </p:sp>
@@ -4482,7 +5212,133 @@
           <a:bodyPr/>
           <a:lstStyle/>
           <a:p>
-            <a:endParaRPr lang="de-DE"/>
+            <a:r>
+              <a:rPr lang="de-DE" dirty="0"/>
+              <a:t>Name </a:t>
+            </a:r>
+            <a:r>
+              <a:rPr lang="de-DE" dirty="0" err="1"/>
+              <a:t>some</a:t>
+            </a:r>
+            <a:r>
+              <a:rPr lang="de-DE" dirty="0"/>
+              <a:t> </a:t>
+            </a:r>
+            <a:r>
+              <a:rPr lang="de-DE" dirty="0" err="1"/>
+              <a:t>ideas</a:t>
+            </a:r>
+            <a:r>
+              <a:rPr lang="de-DE" dirty="0"/>
+              <a:t>?</a:t>
+            </a:r>
+          </a:p>
+          <a:p>
+            <a:r>
+              <a:rPr lang="de-DE" dirty="0"/>
+              <a:t>Advantages </a:t>
+            </a:r>
+            <a:r>
+              <a:rPr lang="de-DE" dirty="0" err="1"/>
+              <a:t>and</a:t>
+            </a:r>
+            <a:r>
+              <a:rPr lang="de-DE" dirty="0"/>
+              <a:t> </a:t>
+            </a:r>
+            <a:r>
+              <a:rPr lang="de-DE" dirty="0" err="1"/>
+              <a:t>disadvantages</a:t>
+            </a:r>
+            <a:endParaRPr lang="de-DE" dirty="0"/>
+          </a:p>
+          <a:p>
+            <a:r>
+              <a:rPr lang="de-DE" dirty="0" err="1"/>
+              <a:t>Boost</a:t>
+            </a:r>
+            <a:r>
+              <a:rPr lang="de-DE" dirty="0"/>
+              <a:t> </a:t>
+            </a:r>
+            <a:r>
+              <a:rPr lang="de-DE" dirty="0" err="1"/>
+              <a:t>safe</a:t>
+            </a:r>
+            <a:r>
+              <a:rPr lang="de-DE" dirty="0"/>
+              <a:t> </a:t>
+            </a:r>
+            <a:r>
+              <a:rPr lang="de-DE" dirty="0" err="1"/>
+              <a:t>method</a:t>
+            </a:r>
+            <a:r>
+              <a:rPr lang="de-DE" dirty="0"/>
+              <a:t> </a:t>
+            </a:r>
+            <a:r>
+              <a:rPr lang="de-DE" dirty="0" err="1"/>
+              <a:t>with</a:t>
+            </a:r>
+            <a:r>
+              <a:rPr lang="de-DE" dirty="0"/>
+              <a:t> formal </a:t>
+            </a:r>
+            <a:r>
+              <a:rPr lang="de-DE" dirty="0" err="1"/>
+              <a:t>verification</a:t>
+            </a:r>
+            <a:endParaRPr lang="de-DE" dirty="0"/>
+          </a:p>
+          <a:p>
+            <a:r>
+              <a:rPr lang="de-DE" dirty="0"/>
+              <a:t>Show </a:t>
+            </a:r>
+            <a:r>
+              <a:rPr lang="de-DE" dirty="0" err="1"/>
+              <a:t>that</a:t>
+            </a:r>
+            <a:r>
+              <a:rPr lang="de-DE" dirty="0"/>
+              <a:t> a </a:t>
+            </a:r>
+            <a:r>
+              <a:rPr lang="de-DE" dirty="0" err="1"/>
+              <a:t>certain</a:t>
+            </a:r>
+            <a:r>
+              <a:rPr lang="de-DE" dirty="0"/>
+              <a:t> </a:t>
+            </a:r>
+            <a:r>
+              <a:rPr lang="de-DE" dirty="0" err="1"/>
+              <a:t>approach</a:t>
+            </a:r>
+            <a:r>
+              <a:rPr lang="de-DE" dirty="0"/>
+              <a:t> </a:t>
+            </a:r>
+            <a:r>
+              <a:rPr lang="de-DE" dirty="0" err="1"/>
+              <a:t>does</a:t>
+            </a:r>
+            <a:r>
+              <a:rPr lang="de-DE" dirty="0"/>
+              <a:t> not </a:t>
+            </a:r>
+            <a:r>
+              <a:rPr lang="de-DE" dirty="0" err="1"/>
+              <a:t>work</a:t>
+            </a:r>
+            <a:endParaRPr lang="de-DE" dirty="0"/>
+          </a:p>
+          <a:p>
+            <a:r>
+              <a:rPr lang="de-DE" dirty="0"/>
+              <a:t>...</a:t>
+            </a:r>
           </a:p>
         </p:txBody>
       </p:sp>
@@ -4490,6 +5346,93 @@
     <p:extLst>
       <p:ext uri="{BB962C8B-B14F-4D97-AF65-F5344CB8AC3E}">
         <p14:creationId xmlns:p14="http://schemas.microsoft.com/office/powerpoint/2010/main" val="821210059"/>
+      </p:ext>
+    </p:extLst>
+  </p:cSld>
+  <p:clrMapOvr>
+    <a:masterClrMapping/>
+  </p:clrMapOvr>
+</p:sld>
+</file>
+
+<file path=ppt/slides/slide9.xml><?xml version="1.0" encoding="utf-8"?>
+<p:sld xmlns:a="http://schemas.openxmlformats.org/drawingml/2006/main" xmlns:r="http://schemas.openxmlformats.org/officeDocument/2006/relationships" xmlns:p="http://schemas.openxmlformats.org/presentationml/2006/main">
+  <p:cSld>
+    <p:spTree>
+      <p:nvGrpSpPr>
+        <p:cNvPr id="1" name=""/>
+        <p:cNvGrpSpPr/>
+        <p:nvPr/>
+      </p:nvGrpSpPr>
+      <p:grpSpPr>
+        <a:xfrm>
+          <a:off x="0" y="0"/>
+          <a:ext cx="0" cy="0"/>
+          <a:chOff x="0" y="0"/>
+          <a:chExt cx="0" cy="0"/>
+        </a:xfrm>
+      </p:grpSpPr>
+      <p:sp>
+        <p:nvSpPr>
+          <p:cNvPr id="2" name="Title 1">
+            <a:extLst>
+              <a:ext uri="{FF2B5EF4-FFF2-40B4-BE49-F238E27FC236}">
+                <a16:creationId xmlns:a16="http://schemas.microsoft.com/office/drawing/2014/main" id="{932A1715-DD1E-104C-B79C-9834EC4F3045}"/>
+              </a:ext>
+            </a:extLst>
+          </p:cNvPr>
+          <p:cNvSpPr>
+            <a:spLocks noGrp="1"/>
+          </p:cNvSpPr>
+          <p:nvPr>
+            <p:ph type="title"/>
+          </p:nvPr>
+        </p:nvSpPr>
+        <p:spPr/>
+        <p:txBody>
+          <a:bodyPr/>
+          <a:lstStyle/>
+          <a:p>
+            <a:r>
+              <a:rPr lang="de-DE" dirty="0"/>
+              <a:t>//Experiments</a:t>
+            </a:r>
+          </a:p>
+        </p:txBody>
+      </p:sp>
+      <p:sp>
+        <p:nvSpPr>
+          <p:cNvPr id="3" name="Content Placeholder 2">
+            <a:extLst>
+              <a:ext uri="{FF2B5EF4-FFF2-40B4-BE49-F238E27FC236}">
+                <a16:creationId xmlns:a16="http://schemas.microsoft.com/office/drawing/2014/main" id="{52C9E9F5-D91D-9A42-AC48-7DAC8F23F328}"/>
+              </a:ext>
+            </a:extLst>
+          </p:cNvPr>
+          <p:cNvSpPr>
+            <a:spLocks noGrp="1"/>
+          </p:cNvSpPr>
+          <p:nvPr>
+            <p:ph idx="1"/>
+          </p:nvPr>
+        </p:nvSpPr>
+        <p:spPr/>
+        <p:txBody>
+          <a:bodyPr/>
+          <a:lstStyle/>
+          <a:p>
+            <a:r>
+              <a:rPr lang="de-DE" dirty="0" err="1"/>
+              <a:t>tbd</a:t>
+            </a:r>
+            <a:endParaRPr lang="de-DE" dirty="0"/>
+          </a:p>
+        </p:txBody>
+      </p:sp>
+    </p:spTree>
+    <p:extLst>
+      <p:ext uri="{BB962C8B-B14F-4D97-AF65-F5344CB8AC3E}">
+        <p14:creationId xmlns:p14="http://schemas.microsoft.com/office/powerpoint/2010/main" val="3477771816"/>
       </p:ext>
     </p:extLst>
   </p:cSld>
